--- a/schema.pptx
+++ b/schema.pptx
@@ -261,7 +261,7 @@
           <a:p>
             <a:fld id="{F55E51BB-F1CE-4812-B311-BD9376ED4B77}" type="datetimeFigureOut">
               <a:rPr lang="en-IL" smtClean="0"/>
-              <a:t>01/10/2020</a:t>
+              <a:t>01/13/2020</a:t>
             </a:fld>
             <a:endParaRPr lang="en-IL"/>
           </a:p>
@@ -461,7 +461,7 @@
           <a:p>
             <a:fld id="{F55E51BB-F1CE-4812-B311-BD9376ED4B77}" type="datetimeFigureOut">
               <a:rPr lang="en-IL" smtClean="0"/>
-              <a:t>01/10/2020</a:t>
+              <a:t>01/13/2020</a:t>
             </a:fld>
             <a:endParaRPr lang="en-IL"/>
           </a:p>
@@ -671,7 +671,7 @@
           <a:p>
             <a:fld id="{F55E51BB-F1CE-4812-B311-BD9376ED4B77}" type="datetimeFigureOut">
               <a:rPr lang="en-IL" smtClean="0"/>
-              <a:t>01/10/2020</a:t>
+              <a:t>01/13/2020</a:t>
             </a:fld>
             <a:endParaRPr lang="en-IL"/>
           </a:p>
@@ -871,7 +871,7 @@
           <a:p>
             <a:fld id="{F55E51BB-F1CE-4812-B311-BD9376ED4B77}" type="datetimeFigureOut">
               <a:rPr lang="en-IL" smtClean="0"/>
-              <a:t>01/10/2020</a:t>
+              <a:t>01/13/2020</a:t>
             </a:fld>
             <a:endParaRPr lang="en-IL"/>
           </a:p>
@@ -1147,7 +1147,7 @@
           <a:p>
             <a:fld id="{F55E51BB-F1CE-4812-B311-BD9376ED4B77}" type="datetimeFigureOut">
               <a:rPr lang="en-IL" smtClean="0"/>
-              <a:t>01/10/2020</a:t>
+              <a:t>01/13/2020</a:t>
             </a:fld>
             <a:endParaRPr lang="en-IL"/>
           </a:p>
@@ -1415,7 +1415,7 @@
           <a:p>
             <a:fld id="{F55E51BB-F1CE-4812-B311-BD9376ED4B77}" type="datetimeFigureOut">
               <a:rPr lang="en-IL" smtClean="0"/>
-              <a:t>01/10/2020</a:t>
+              <a:t>01/13/2020</a:t>
             </a:fld>
             <a:endParaRPr lang="en-IL"/>
           </a:p>
@@ -1830,7 +1830,7 @@
           <a:p>
             <a:fld id="{F55E51BB-F1CE-4812-B311-BD9376ED4B77}" type="datetimeFigureOut">
               <a:rPr lang="en-IL" smtClean="0"/>
-              <a:t>01/10/2020</a:t>
+              <a:t>01/13/2020</a:t>
             </a:fld>
             <a:endParaRPr lang="en-IL"/>
           </a:p>
@@ -1972,7 +1972,7 @@
           <a:p>
             <a:fld id="{F55E51BB-F1CE-4812-B311-BD9376ED4B77}" type="datetimeFigureOut">
               <a:rPr lang="en-IL" smtClean="0"/>
-              <a:t>01/10/2020</a:t>
+              <a:t>01/13/2020</a:t>
             </a:fld>
             <a:endParaRPr lang="en-IL"/>
           </a:p>
@@ -2085,7 +2085,7 @@
           <a:p>
             <a:fld id="{F55E51BB-F1CE-4812-B311-BD9376ED4B77}" type="datetimeFigureOut">
               <a:rPr lang="en-IL" smtClean="0"/>
-              <a:t>01/10/2020</a:t>
+              <a:t>01/13/2020</a:t>
             </a:fld>
             <a:endParaRPr lang="en-IL"/>
           </a:p>
@@ -2398,7 +2398,7 @@
           <a:p>
             <a:fld id="{F55E51BB-F1CE-4812-B311-BD9376ED4B77}" type="datetimeFigureOut">
               <a:rPr lang="en-IL" smtClean="0"/>
-              <a:t>01/10/2020</a:t>
+              <a:t>01/13/2020</a:t>
             </a:fld>
             <a:endParaRPr lang="en-IL"/>
           </a:p>
@@ -2687,7 +2687,7 @@
           <a:p>
             <a:fld id="{F55E51BB-F1CE-4812-B311-BD9376ED4B77}" type="datetimeFigureOut">
               <a:rPr lang="en-IL" smtClean="0"/>
-              <a:t>01/10/2020</a:t>
+              <a:t>01/13/2020</a:t>
             </a:fld>
             <a:endParaRPr lang="en-IL"/>
           </a:p>
@@ -2930,7 +2930,7 @@
           <a:p>
             <a:fld id="{F55E51BB-F1CE-4812-B311-BD9376ED4B77}" type="datetimeFigureOut">
               <a:rPr lang="en-IL" smtClean="0"/>
-              <a:t>01/10/2020</a:t>
+              <a:t>01/13/2020</a:t>
             </a:fld>
             <a:endParaRPr lang="en-IL"/>
           </a:p>
@@ -4874,7 +4874,7 @@
         </p:nvSpPr>
         <p:spPr bwMode="auto">
           <a:xfrm>
-            <a:off x="10870446" y="3422757"/>
+            <a:off x="9674113" y="3063001"/>
             <a:ext cx="1171597" cy="554967"/>
           </a:xfrm>
           <a:prstGeom prst="ellipse">
@@ -4921,9 +4921,9 @@
           <p:nvPr/>
         </p:nvCxnSpPr>
         <p:spPr>
-          <a:xfrm>
-            <a:off x="10188744" y="3080991"/>
-            <a:ext cx="681702" cy="619250"/>
+          <a:xfrm flipH="1">
+            <a:off x="9674113" y="3080991"/>
+            <a:ext cx="514631" cy="259494"/>
           </a:xfrm>
           <a:prstGeom prst="line">
             <a:avLst/>
